--- a/presentation/Abschlusspräsentation.pptx
+++ b/presentation/Abschlusspräsentation.pptx
@@ -2298,7 +2298,7 @@
                 <a:spcPct val="100000"/>
               </a:lnSpc>
             </a:pPr>
-            <a:fld id="{8C872000-D712-401F-82E8-E3F646DC77A6}" type="slidenum">
+            <a:fld id="{8DF3C1E7-28A8-48D9-9B6A-49EDFC90FE03}" type="slidenum">
               <a:rPr b="1" lang="de-DE" sz="1000">
                 <a:solidFill>
                   <a:srgbClr val="5f5f5f"/>
@@ -2650,7 +2650,7 @@
                 <a:spcPct val="100000"/>
               </a:lnSpc>
             </a:pPr>
-            <a:fld id="{66EEC0CC-C531-42E4-AD0F-FF965BB8436E}" type="slidenum">
+            <a:fld id="{6D777F42-FAD1-4CF8-9450-D638A1866E5C}" type="slidenum">
               <a:rPr b="1" lang="de-DE" sz="1000">
                 <a:solidFill>
                   <a:srgbClr val="5f5f5f"/>
@@ -3283,6 +3283,16 @@
             <a:endParaRPr/>
           </a:p>
           <a:p>
+            <a:pPr lvl="1">
+              <a:lnSpc>
+                <a:spcPct val="100000"/>
+              </a:lnSpc>
+              <a:buFont typeface="Arial"/>
+              <a:buAutoNum type="arabicPeriod"/>
+            </a:pPr>
+            <a:endParaRPr/>
+          </a:p>
+          <a:p>
             <a:endParaRPr/>
           </a:p>
           <a:p>
@@ -3497,8 +3507,8 @@
         </p:blipFill>
         <p:spPr>
           <a:xfrm>
-            <a:off x="1923840" y="1296000"/>
-            <a:ext cx="5060160" cy="5177520"/>
+            <a:off x="1872000" y="1296000"/>
+            <a:ext cx="5184000" cy="5269680"/>
           </a:xfrm>
           <a:prstGeom prst="rect">
             <a:avLst/>
@@ -3507,6 +3517,33 @@
       </p:pic>
     </p:spTree>
   </p:cSld>
+  <p:timing>
+    <p:tnLst>
+      <p:par>
+        <p:cTn dur="indefinite" id="5" nodeType="tmRoot" restart="never">
+          <p:childTnLst>
+            <p:seq>
+              <p:cTn id="6" nodeType="mainSeq"/>
+              <p:prevCondLst>
+                <p:cond delay="0" evt="onPrev">
+                  <p:tgtEl>
+                    <p:sldTgt/>
+                  </p:tgtEl>
+                </p:cond>
+              </p:prevCondLst>
+              <p:nextCondLst>
+                <p:cond delay="0" evt="onNext">
+                  <p:tgtEl>
+                    <p:sldTgt/>
+                  </p:tgtEl>
+                </p:cond>
+              </p:nextCondLst>
+            </p:seq>
+          </p:childTnLst>
+        </p:cTn>
+      </p:par>
+    </p:tnLst>
+  </p:timing>
 </p:sld>
 </file>
 
